--- a/CropKart (1).pptx
+++ b/CropKart (1).pptx
@@ -2,29 +2,29 @@
 <file path=ppt/presentation.xml><?xml version="1.0" encoding="utf-8"?>
 <p:presentation xmlns:a="http://schemas.openxmlformats.org/drawingml/2006/main" xmlns:r="http://schemas.openxmlformats.org/officeDocument/2006/relationships" xmlns:p="http://schemas.openxmlformats.org/presentationml/2006/main" saveSubsetFonts="1">
   <p:sldMasterIdLst>
-    <p:sldMasterId id="2147483939" r:id="rId1"/>
+    <p:sldMasterId id="2147483939" r:id="rId4"/>
   </p:sldMasterIdLst>
   <p:sldIdLst>
-    <p:sldId id="266" r:id="rId2"/>
-    <p:sldId id="256" r:id="rId3"/>
-    <p:sldId id="258" r:id="rId4"/>
-    <p:sldId id="269" r:id="rId5"/>
-    <p:sldId id="270" r:id="rId6"/>
-    <p:sldId id="259" r:id="rId7"/>
-    <p:sldId id="260" r:id="rId8"/>
-    <p:sldId id="276" r:id="rId9"/>
-    <p:sldId id="277" r:id="rId10"/>
-    <p:sldId id="278" r:id="rId11"/>
-    <p:sldId id="268" r:id="rId12"/>
-    <p:sldId id="271" r:id="rId13"/>
-    <p:sldId id="272" r:id="rId14"/>
-    <p:sldId id="279" r:id="rId15"/>
-    <p:sldId id="280" r:id="rId16"/>
-    <p:sldId id="281" r:id="rId17"/>
-    <p:sldId id="273" r:id="rId18"/>
-    <p:sldId id="275" r:id="rId19"/>
-    <p:sldId id="274" r:id="rId20"/>
-    <p:sldId id="265" r:id="rId21"/>
+    <p:sldId id="266" r:id="rId5"/>
+    <p:sldId id="256" r:id="rId6"/>
+    <p:sldId id="258" r:id="rId7"/>
+    <p:sldId id="269" r:id="rId8"/>
+    <p:sldId id="270" r:id="rId9"/>
+    <p:sldId id="259" r:id="rId10"/>
+    <p:sldId id="260" r:id="rId11"/>
+    <p:sldId id="276" r:id="rId12"/>
+    <p:sldId id="277" r:id="rId13"/>
+    <p:sldId id="278" r:id="rId14"/>
+    <p:sldId id="268" r:id="rId15"/>
+    <p:sldId id="271" r:id="rId16"/>
+    <p:sldId id="272" r:id="rId17"/>
+    <p:sldId id="279" r:id="rId18"/>
+    <p:sldId id="280" r:id="rId19"/>
+    <p:sldId id="281" r:id="rId20"/>
+    <p:sldId id="273" r:id="rId21"/>
+    <p:sldId id="275" r:id="rId22"/>
+    <p:sldId id="274" r:id="rId23"/>
+    <p:sldId id="265" r:id="rId24"/>
   </p:sldIdLst>
   <p:sldSz cx="12192000" cy="6858000"/>
   <p:notesSz cx="6858000" cy="9144000"/>
@@ -319,7 +319,7 @@
           <a:p>
             <a:fld id="{46A1E32B-2288-46F8-A65E-6159B772C51C}" type="datetimeFigureOut">
               <a:rPr lang="en-IN" smtClean="0"/>
-              <a:t>09-10-2021</a:t>
+              <a:t>30-11-2021</a:t>
             </a:fld>
             <a:endParaRPr lang="en-IN"/>
           </a:p>
@@ -657,7 +657,7 @@
           <a:p>
             <a:fld id="{46A1E32B-2288-46F8-A65E-6159B772C51C}" type="datetimeFigureOut">
               <a:rPr lang="en-IN" smtClean="0"/>
-              <a:t>09-10-2021</a:t>
+              <a:t>30-11-2021</a:t>
             </a:fld>
             <a:endParaRPr lang="en-IN"/>
           </a:p>
@@ -1058,7 +1058,7 @@
           <a:p>
             <a:fld id="{46A1E32B-2288-46F8-A65E-6159B772C51C}" type="datetimeFigureOut">
               <a:rPr lang="en-IN" smtClean="0"/>
-              <a:t>09-10-2021</a:t>
+              <a:t>30-11-2021</a:t>
             </a:fld>
             <a:endParaRPr lang="en-IN"/>
           </a:p>
@@ -1394,7 +1394,7 @@
           <a:p>
             <a:fld id="{46A1E32B-2288-46F8-A65E-6159B772C51C}" type="datetimeFigureOut">
               <a:rPr lang="en-IN" smtClean="0"/>
-              <a:t>09-10-2021</a:t>
+              <a:t>30-11-2021</a:t>
             </a:fld>
             <a:endParaRPr lang="en-IN"/>
           </a:p>
@@ -1714,7 +1714,7 @@
           <a:p>
             <a:fld id="{46A1E32B-2288-46F8-A65E-6159B772C51C}" type="datetimeFigureOut">
               <a:rPr lang="en-IN" smtClean="0"/>
-              <a:t>09-10-2021</a:t>
+              <a:t>30-11-2021</a:t>
             </a:fld>
             <a:endParaRPr lang="en-IN"/>
           </a:p>
@@ -2110,7 +2110,7 @@
           <a:p>
             <a:fld id="{46A1E32B-2288-46F8-A65E-6159B772C51C}" type="datetimeFigureOut">
               <a:rPr lang="en-IN" smtClean="0"/>
-              <a:t>09-10-2021</a:t>
+              <a:t>30-11-2021</a:t>
             </a:fld>
             <a:endParaRPr lang="en-IN"/>
           </a:p>
@@ -2367,7 +2367,7 @@
           <a:p>
             <a:fld id="{46A1E32B-2288-46F8-A65E-6159B772C51C}" type="datetimeFigureOut">
               <a:rPr lang="en-IN" smtClean="0"/>
-              <a:t>09-10-2021</a:t>
+              <a:t>30-11-2021</a:t>
             </a:fld>
             <a:endParaRPr lang="en-IN"/>
           </a:p>
@@ -2629,7 +2629,7 @@
           <a:p>
             <a:fld id="{46A1E32B-2288-46F8-A65E-6159B772C51C}" type="datetimeFigureOut">
               <a:rPr lang="en-IN" smtClean="0"/>
-              <a:t>09-10-2021</a:t>
+              <a:t>30-11-2021</a:t>
             </a:fld>
             <a:endParaRPr lang="en-IN"/>
           </a:p>
@@ -2891,7 +2891,7 @@
           <a:p>
             <a:fld id="{46A1E32B-2288-46F8-A65E-6159B772C51C}" type="datetimeFigureOut">
               <a:rPr lang="en-IN" smtClean="0"/>
-              <a:t>09-10-2021</a:t>
+              <a:t>30-11-2021</a:t>
             </a:fld>
             <a:endParaRPr lang="en-IN"/>
           </a:p>
@@ -3220,7 +3220,7 @@
           <a:p>
             <a:fld id="{46A1E32B-2288-46F8-A65E-6159B772C51C}" type="datetimeFigureOut">
               <a:rPr lang="en-IN" smtClean="0"/>
-              <a:t>09-10-2021</a:t>
+              <a:t>30-11-2021</a:t>
             </a:fld>
             <a:endParaRPr lang="en-IN"/>
           </a:p>
@@ -3543,7 +3543,7 @@
           <a:p>
             <a:fld id="{46A1E32B-2288-46F8-A65E-6159B772C51C}" type="datetimeFigureOut">
               <a:rPr lang="en-IN" smtClean="0"/>
-              <a:t>09-10-2021</a:t>
+              <a:t>30-11-2021</a:t>
             </a:fld>
             <a:endParaRPr lang="en-IN"/>
           </a:p>
@@ -4000,7 +4000,7 @@
           <a:p>
             <a:fld id="{46A1E32B-2288-46F8-A65E-6159B772C51C}" type="datetimeFigureOut">
               <a:rPr lang="en-IN" smtClean="0"/>
-              <a:t>09-10-2021</a:t>
+              <a:t>30-11-2021</a:t>
             </a:fld>
             <a:endParaRPr lang="en-IN"/>
           </a:p>
@@ -4205,7 +4205,7 @@
           <a:p>
             <a:fld id="{46A1E32B-2288-46F8-A65E-6159B772C51C}" type="datetimeFigureOut">
               <a:rPr lang="en-IN" smtClean="0"/>
-              <a:t>09-10-2021</a:t>
+              <a:t>30-11-2021</a:t>
             </a:fld>
             <a:endParaRPr lang="en-IN"/>
           </a:p>
@@ -4382,7 +4382,7 @@
           <a:p>
             <a:fld id="{46A1E32B-2288-46F8-A65E-6159B772C51C}" type="datetimeFigureOut">
               <a:rPr lang="en-IN" smtClean="0"/>
-              <a:t>09-10-2021</a:t>
+              <a:t>30-11-2021</a:t>
             </a:fld>
             <a:endParaRPr lang="en-IN"/>
           </a:p>
@@ -4715,7 +4715,7 @@
           <a:p>
             <a:fld id="{46A1E32B-2288-46F8-A65E-6159B772C51C}" type="datetimeFigureOut">
               <a:rPr lang="en-IN" smtClean="0"/>
-              <a:t>09-10-2021</a:t>
+              <a:t>30-11-2021</a:t>
             </a:fld>
             <a:endParaRPr lang="en-IN"/>
           </a:p>
@@ -5060,7 +5060,7 @@
           <a:p>
             <a:fld id="{46A1E32B-2288-46F8-A65E-6159B772C51C}" type="datetimeFigureOut">
               <a:rPr lang="en-IN" smtClean="0"/>
-              <a:t>09-10-2021</a:t>
+              <a:t>30-11-2021</a:t>
             </a:fld>
             <a:endParaRPr lang="en-IN"/>
           </a:p>
@@ -7177,7 +7177,7 @@
           <a:p>
             <a:fld id="{46A1E32B-2288-46F8-A65E-6159B772C51C}" type="datetimeFigureOut">
               <a:rPr lang="en-IN" smtClean="0"/>
-              <a:t>09-10-2021</a:t>
+              <a:t>30-11-2021</a:t>
             </a:fld>
             <a:endParaRPr lang="en-IN"/>
           </a:p>
@@ -7772,34 +7772,6 @@
             <a:br>
               <a:rPr lang="en-US" dirty="0"/>
             </a:br>
-            <a:r>
-              <a:rPr lang="en-US" sz="4000" dirty="0">
-                <a:latin typeface="Comic Sans MS" panose="030F0702030302020204" pitchFamily="66" charset="0"/>
-              </a:rPr>
-              <a:t>Submitted by: </a:t>
-            </a:r>
-            <a:br>
-              <a:rPr lang="en-US" dirty="0">
-                <a:latin typeface="Comic Sans MS" panose="030F0702030302020204" pitchFamily="66" charset="0"/>
-              </a:rPr>
-            </a:br>
-            <a:r>
-              <a:rPr lang="en-US" sz="3600" dirty="0">
-                <a:latin typeface="Comic Sans MS" panose="030F0702030302020204" pitchFamily="66" charset="0"/>
-              </a:rPr>
-              <a:t>Rohit Rakesh Gupta (202123037) </a:t>
-            </a:r>
-            <a:br>
-              <a:rPr lang="en-US" sz="3600" dirty="0">
-                <a:latin typeface="Comic Sans MS" panose="030F0702030302020204" pitchFamily="66" charset="0"/>
-              </a:rPr>
-            </a:br>
-            <a:r>
-              <a:rPr lang="en-US" sz="3600" dirty="0">
-                <a:latin typeface="Comic Sans MS" panose="030F0702030302020204" pitchFamily="66" charset="0"/>
-              </a:rPr>
-              <a:t>Shreya Satija (202123047)</a:t>
-            </a:r>
             <a:endParaRPr lang="en-IN" sz="3600" dirty="0">
               <a:latin typeface="Comic Sans MS" panose="030F0702030302020204" pitchFamily="66" charset="0"/>
             </a:endParaRPr>
@@ -10996,6 +10968,21 @@
 </file>
 
 <file path=customXml/item1.xml><?xml version="1.0" encoding="utf-8"?>
+<p:properties xmlns:p="http://schemas.microsoft.com/office/2006/metadata/properties" xmlns:xsi="http://www.w3.org/2001/XMLSchema-instance" xmlns:pc="http://schemas.microsoft.com/office/infopath/2007/PartnerControls">
+  <documentManagement/>
+</p:properties>
+</file>
+
+<file path=customXml/item2.xml><?xml version="1.0" encoding="utf-8"?>
+<?mso-contentType ?>
+<FormTemplates xmlns="http://schemas.microsoft.com/sharepoint/v3/contenttype/forms">
+  <Display>DocumentLibraryForm</Display>
+  <Edit>DocumentLibraryForm</Edit>
+  <New>DocumentLibraryForm</New>
+</FormTemplates>
+</file>
+
+<file path=customXml/item3.xml><?xml version="1.0" encoding="utf-8"?>
 <ct:contentTypeSchema xmlns:ct="http://schemas.microsoft.com/office/2006/metadata/contentType" xmlns:ma="http://schemas.microsoft.com/office/2006/metadata/properties/metaAttributes" ct:_="" ma:_="" ma:contentTypeName="Document" ma:contentTypeID="0x010100ABCD0784857D204FADBBCDC6481DFF13" ma:contentTypeVersion="10" ma:contentTypeDescription="Create a new document." ma:contentTypeScope="" ma:versionID="7cf02ebc009cede2e20c79887c133bbd">
   <xsd:schema xmlns:xsd="http://www.w3.org/2001/XMLSchema" xmlns:xs="http://www.w3.org/2001/XMLSchema" xmlns:p="http://schemas.microsoft.com/office/2006/metadata/properties" xmlns:ns2="362d7be3-209d-4ae5-945a-4a012edc8ddb" xmlns:ns3="f57e7745-8acd-416b-a653-0be3f1256422" targetNamespace="http://schemas.microsoft.com/office/2006/metadata/properties" ma:root="true" ma:fieldsID="4d2ca7dde9c0cb770d740ad695a83966" ns2:_="" ns3:_="">
     <xsd:import namespace="362d7be3-209d-4ae5-945a-4a012edc8ddb"/>
@@ -11198,29 +11185,38 @@
 </ct:contentTypeSchema>
 </file>
 
-<file path=customXml/item2.xml><?xml version="1.0" encoding="utf-8"?>
-<?mso-contentType ?>
-<FormTemplates xmlns="http://schemas.microsoft.com/sharepoint/v3/contenttype/forms">
-  <Display>DocumentLibraryForm</Display>
-  <Edit>DocumentLibraryForm</Edit>
-  <New>DocumentLibraryForm</New>
-</FormTemplates>
-</file>
-
-<file path=customXml/item3.xml><?xml version="1.0" encoding="utf-8"?>
-<p:properties xmlns:p="http://schemas.microsoft.com/office/2006/metadata/properties" xmlns:xsi="http://www.w3.org/2001/XMLSchema-instance" xmlns:pc="http://schemas.microsoft.com/office/infopath/2007/PartnerControls">
-  <documentManagement/>
-</p:properties>
-</file>
-
 <file path=customXml/itemProps1.xml><?xml version="1.0" encoding="utf-8"?>
-<ds:datastoreItem xmlns:ds="http://schemas.openxmlformats.org/officeDocument/2006/customXml" ds:itemID="{CAA7C60C-8EA1-46DF-8800-930488D24310}"/>
+<ds:datastoreItem xmlns:ds="http://schemas.openxmlformats.org/officeDocument/2006/customXml" ds:itemID="{29ABF11D-205E-4148-AB2B-8EDB96099C38}">
+  <ds:schemaRefs>
+    <ds:schemaRef ds:uri="http://schemas.microsoft.com/office/2006/metadata/properties"/>
+    <ds:schemaRef ds:uri="http://schemas.microsoft.com/office/infopath/2007/PartnerControls"/>
+  </ds:schemaRefs>
+</ds:datastoreItem>
 </file>
 
 <file path=customXml/itemProps2.xml><?xml version="1.0" encoding="utf-8"?>
-<ds:datastoreItem xmlns:ds="http://schemas.openxmlformats.org/officeDocument/2006/customXml" ds:itemID="{6F47E6B8-290A-4CB0-86BA-325C4EDE1254}"/>
+<ds:datastoreItem xmlns:ds="http://schemas.openxmlformats.org/officeDocument/2006/customXml" ds:itemID="{6F47E6B8-290A-4CB0-86BA-325C4EDE1254}">
+  <ds:schemaRefs>
+    <ds:schemaRef ds:uri="http://schemas.microsoft.com/sharepoint/v3/contenttype/forms"/>
+  </ds:schemaRefs>
+</ds:datastoreItem>
 </file>
 
 <file path=customXml/itemProps3.xml><?xml version="1.0" encoding="utf-8"?>
-<ds:datastoreItem xmlns:ds="http://schemas.openxmlformats.org/officeDocument/2006/customXml" ds:itemID="{29ABF11D-205E-4148-AB2B-8EDB96099C38}"/>
+<ds:datastoreItem xmlns:ds="http://schemas.openxmlformats.org/officeDocument/2006/customXml" ds:itemID="{CAA7C60C-8EA1-46DF-8800-930488D24310}">
+  <ds:schemaRefs>
+    <ds:schemaRef ds:uri="http://schemas.microsoft.com/office/2006/metadata/contentType"/>
+    <ds:schemaRef ds:uri="http://schemas.microsoft.com/office/2006/metadata/properties/metaAttributes"/>
+    <ds:schemaRef ds:uri="http://www.w3.org/2001/XMLSchema"/>
+    <ds:schemaRef ds:uri="http://schemas.microsoft.com/office/2006/metadata/properties"/>
+    <ds:schemaRef ds:uri="362d7be3-209d-4ae5-945a-4a012edc8ddb"/>
+    <ds:schemaRef ds:uri="f57e7745-8acd-416b-a653-0be3f1256422"/>
+    <ds:schemaRef ds:uri="http://schemas.microsoft.com/office/2006/documentManagement/types"/>
+    <ds:schemaRef ds:uri="http://schemas.microsoft.com/office/infopath/2007/PartnerControls"/>
+    <ds:schemaRef ds:uri="http://schemas.openxmlformats.org/package/2006/metadata/core-properties"/>
+    <ds:schemaRef ds:uri="http://purl.org/dc/elements/1.1/"/>
+    <ds:schemaRef ds:uri="http://purl.org/dc/terms/"/>
+    <ds:schemaRef ds:uri="http://schemas.microsoft.com/internal/obd"/>
+  </ds:schemaRefs>
+</ds:datastoreItem>
 </file>